--- a/Capstone/Capstone Pitch.pptx
+++ b/Capstone/Capstone Pitch.pptx
@@ -109,6 +109,11 @@
       </a:defRPr>
     </a:lvl9pPr>
   </p:defaultTextStyle>
+  <p:extLst>
+    <p:ext uri="{EFAFB233-063F-42B5-8137-9DF3F51BA10A}">
+      <p15:sldGuideLst xmlns:p15="http://schemas.microsoft.com/office/powerpoint/2012/main"/>
+    </p:ext>
+  </p:extLst>
 </p:presentation>
 </file>
 
@@ -304,7 +309,7 @@
             <a:fld id="{B61BEF0D-F0BB-DE4B-95CE-6DB70DBA9567}" type="datetimeFigureOut">
               <a:rPr lang="en-US" dirty="0"/>
               <a:pPr/>
-              <a:t>3/22/2018</a:t>
+              <a:t>3/23/2018</a:t>
             </a:fld>
             <a:endParaRPr lang="en-US" dirty="0"/>
           </a:p>
@@ -737,7 +742,7 @@
             <a:fld id="{B61BEF0D-F0BB-DE4B-95CE-6DB70DBA9567}" type="datetimeFigureOut">
               <a:rPr lang="en-US" dirty="0"/>
               <a:pPr/>
-              <a:t>3/22/2018</a:t>
+              <a:t>3/23/2018</a:t>
             </a:fld>
             <a:endParaRPr lang="en-US" dirty="0"/>
           </a:p>
@@ -984,7 +989,7 @@
             <a:fld id="{B61BEF0D-F0BB-DE4B-95CE-6DB70DBA9567}" type="datetimeFigureOut">
               <a:rPr lang="en-US" dirty="0"/>
               <a:pPr/>
-              <a:t>3/22/2018</a:t>
+              <a:t>3/23/2018</a:t>
             </a:fld>
             <a:endParaRPr lang="en-US" dirty="0"/>
           </a:p>
@@ -1289,7 +1294,7 @@
             <a:fld id="{B61BEF0D-F0BB-DE4B-95CE-6DB70DBA9567}" type="datetimeFigureOut">
               <a:rPr lang="en-US" dirty="0"/>
               <a:pPr/>
-              <a:t>3/22/2018</a:t>
+              <a:t>3/23/2018</a:t>
             </a:fld>
             <a:endParaRPr lang="en-US" dirty="0"/>
           </a:p>
@@ -1604,7 +1609,7 @@
             <a:fld id="{B61BEF0D-F0BB-DE4B-95CE-6DB70DBA9567}" type="datetimeFigureOut">
               <a:rPr lang="en-US" dirty="0"/>
               <a:pPr/>
-              <a:t>3/22/2018</a:t>
+              <a:t>3/23/2018</a:t>
             </a:fld>
             <a:endParaRPr lang="en-US" dirty="0"/>
           </a:p>
@@ -1903,7 +1908,7 @@
             <a:fld id="{B61BEF0D-F0BB-DE4B-95CE-6DB70DBA9567}" type="datetimeFigureOut">
               <a:rPr lang="en-US" dirty="0"/>
               <a:pPr/>
-              <a:t>3/22/2018</a:t>
+              <a:t>3/23/2018</a:t>
             </a:fld>
             <a:endParaRPr lang="en-US" dirty="0"/>
           </a:p>
@@ -2267,7 +2272,7 @@
             <a:fld id="{B61BEF0D-F0BB-DE4B-95CE-6DB70DBA9567}" type="datetimeFigureOut">
               <a:rPr lang="en-US" dirty="0"/>
               <a:pPr/>
-              <a:t>3/22/2018</a:t>
+              <a:t>3/23/2018</a:t>
             </a:fld>
             <a:endParaRPr lang="en-US" dirty="0"/>
           </a:p>
@@ -2438,7 +2443,7 @@
             <a:fld id="{B61BEF0D-F0BB-DE4B-95CE-6DB70DBA9567}" type="datetimeFigureOut">
               <a:rPr lang="en-US" dirty="0"/>
               <a:pPr/>
-              <a:t>3/22/2018</a:t>
+              <a:t>3/23/2018</a:t>
             </a:fld>
             <a:endParaRPr lang="en-US" dirty="0"/>
           </a:p>
@@ -2615,7 +2620,7 @@
             <a:fld id="{B61BEF0D-F0BB-DE4B-95CE-6DB70DBA9567}" type="datetimeFigureOut">
               <a:rPr lang="en-US" dirty="0"/>
               <a:pPr/>
-              <a:t>3/22/2018</a:t>
+              <a:t>3/23/2018</a:t>
             </a:fld>
             <a:endParaRPr lang="en-US" dirty="0"/>
           </a:p>
@@ -2782,7 +2787,7 @@
             <a:fld id="{B61BEF0D-F0BB-DE4B-95CE-6DB70DBA9567}" type="datetimeFigureOut">
               <a:rPr lang="en-US" dirty="0"/>
               <a:pPr/>
-              <a:t>3/22/2018</a:t>
+              <a:t>3/23/2018</a:t>
             </a:fld>
             <a:endParaRPr lang="en-US" dirty="0"/>
           </a:p>
@@ -3029,7 +3034,7 @@
             <a:fld id="{B61BEF0D-F0BB-DE4B-95CE-6DB70DBA9567}" type="datetimeFigureOut">
               <a:rPr lang="en-US" dirty="0"/>
               <a:pPr/>
-              <a:t>3/22/2018</a:t>
+              <a:t>3/23/2018</a:t>
             </a:fld>
             <a:endParaRPr lang="en-US" dirty="0"/>
           </a:p>
@@ -3262,7 +3267,7 @@
             <a:fld id="{B61BEF0D-F0BB-DE4B-95CE-6DB70DBA9567}" type="datetimeFigureOut">
               <a:rPr lang="en-US" dirty="0"/>
               <a:pPr/>
-              <a:t>3/22/2018</a:t>
+              <a:t>3/23/2018</a:t>
             </a:fld>
             <a:endParaRPr lang="en-US" dirty="0"/>
           </a:p>
@@ -3641,7 +3646,7 @@
             <a:fld id="{B61BEF0D-F0BB-DE4B-95CE-6DB70DBA9567}" type="datetimeFigureOut">
               <a:rPr lang="en-US" dirty="0"/>
               <a:pPr/>
-              <a:t>3/22/2018</a:t>
+              <a:t>3/23/2018</a:t>
             </a:fld>
             <a:endParaRPr lang="en-US" dirty="0"/>
           </a:p>
@@ -3756,7 +3761,7 @@
             <a:fld id="{B61BEF0D-F0BB-DE4B-95CE-6DB70DBA9567}" type="datetimeFigureOut">
               <a:rPr lang="en-US" dirty="0"/>
               <a:pPr/>
-              <a:t>3/22/2018</a:t>
+              <a:t>3/23/2018</a:t>
             </a:fld>
             <a:endParaRPr lang="en-US" dirty="0"/>
           </a:p>
@@ -3848,7 +3853,7 @@
             <a:fld id="{B61BEF0D-F0BB-DE4B-95CE-6DB70DBA9567}" type="datetimeFigureOut">
               <a:rPr lang="en-US" dirty="0"/>
               <a:pPr/>
-              <a:t>3/22/2018</a:t>
+              <a:t>3/23/2018</a:t>
             </a:fld>
             <a:endParaRPr lang="en-US" dirty="0"/>
           </a:p>
@@ -4100,7 +4105,7 @@
             <a:fld id="{B61BEF0D-F0BB-DE4B-95CE-6DB70DBA9567}" type="datetimeFigureOut">
               <a:rPr lang="en-US" dirty="0"/>
               <a:pPr/>
-              <a:t>3/22/2018</a:t>
+              <a:t>3/23/2018</a:t>
             </a:fld>
             <a:endParaRPr lang="en-US" dirty="0"/>
           </a:p>
@@ -4380,7 +4385,7 @@
             <a:fld id="{B61BEF0D-F0BB-DE4B-95CE-6DB70DBA9567}" type="datetimeFigureOut">
               <a:rPr lang="en-US" dirty="0"/>
               <a:pPr/>
-              <a:t>3/22/2018</a:t>
+              <a:t>3/23/2018</a:t>
             </a:fld>
             <a:endParaRPr lang="en-US" dirty="0"/>
           </a:p>
@@ -4783,7 +4788,7 @@
             <a:fld id="{B61BEF0D-F0BB-DE4B-95CE-6DB70DBA9567}" type="datetimeFigureOut">
               <a:rPr lang="en-US" dirty="0"/>
               <a:pPr/>
-              <a:t>3/22/2018</a:t>
+              <a:t>3/23/2018</a:t>
             </a:fld>
             <a:endParaRPr lang="en-US" dirty="0"/>
           </a:p>
@@ -5992,13 +5997,13 @@
         </p:nvSpPr>
         <p:spPr>
           <a:xfrm>
-            <a:off x="684212" y="2060068"/>
-            <a:ext cx="10203244" cy="4352924"/>
+            <a:off x="684212" y="1768642"/>
+            <a:ext cx="10203244" cy="4644350"/>
           </a:xfrm>
         </p:spPr>
         <p:txBody>
           <a:bodyPr anchor="t">
-            <a:normAutofit lnSpcReduction="10000"/>
+            <a:normAutofit/>
           </a:bodyPr>
           <a:lstStyle/>
           <a:p>
@@ -6006,9 +6011,6 @@
               <a:rPr lang="en-SG" sz="2400" b="1" dirty="0"/>
               <a:t>Use machine learning to help in time series forecasting</a:t>
             </a:r>
-          </a:p>
-          <a:p>
-            <a:endParaRPr lang="en-SG" sz="2400" b="1" dirty="0"/>
           </a:p>
           <a:p>
             <a:r>
@@ -6039,7 +6041,10 @@
           </a:p>
           <a:p>
             <a:pPr lvl="1"/>
-            <a:endParaRPr lang="en-SG" sz="2200" b="1" dirty="0"/>
+            <a:r>
+              <a:rPr lang="en-SG" sz="2200" b="1" dirty="0"/>
+              <a:t>12 attributes</a:t>
+            </a:r>
           </a:p>
           <a:p>
             <a:r>
@@ -6066,6 +6071,13 @@
             <a:r>
               <a:rPr lang="en-SG" sz="2200" b="1" dirty="0"/>
               <a:t>59,000 negative examples, 1000 positive examples to train</a:t>
+            </a:r>
+          </a:p>
+          <a:p>
+            <a:pPr lvl="1"/>
+            <a:r>
+              <a:rPr lang="en-SG" sz="2200" b="1" dirty="0"/>
+              <a:t>171 attributes</a:t>
             </a:r>
           </a:p>
         </p:txBody>
